--- a/docs/meetup-presentation.pptx
+++ b/docs/meetup-presentation.pptx
@@ -5,17 +5,19 @@
     <p:sldMasterId id="2147483660" r:id="rId1"/>
   </p:sldMasterIdLst>
   <p:notesMasterIdLst>
-    <p:notesMasterId r:id="rId10"/>
+    <p:notesMasterId r:id="rId12"/>
   </p:notesMasterIdLst>
   <p:sldIdLst>
     <p:sldId id="256" r:id="rId2"/>
     <p:sldId id="307" r:id="rId3"/>
     <p:sldId id="310" r:id="rId4"/>
-    <p:sldId id="311" r:id="rId5"/>
-    <p:sldId id="308" r:id="rId6"/>
-    <p:sldId id="312" r:id="rId7"/>
-    <p:sldId id="264" r:id="rId8"/>
-    <p:sldId id="290" r:id="rId9"/>
+    <p:sldId id="312" r:id="rId5"/>
+    <p:sldId id="311" r:id="rId6"/>
+    <p:sldId id="308" r:id="rId7"/>
+    <p:sldId id="314" r:id="rId8"/>
+    <p:sldId id="315" r:id="rId9"/>
+    <p:sldId id="264" r:id="rId10"/>
+    <p:sldId id="290" r:id="rId11"/>
   </p:sldIdLst>
   <p:sldSz cx="12192000" cy="6858000"/>
   <p:notesSz cx="6858000" cy="9144000"/>
@@ -216,7 +218,7 @@
           <a:p>
             <a:fld id="{D6FF20C1-C337-48EE-89C1-30E718D4E962}" type="datetimeFigureOut">
               <a:rPr lang="en-GB" smtClean="0"/>
-              <a:t>19/12/2020</a:t>
+              <a:t>22/12/2020</a:t>
             </a:fld>
             <a:endParaRPr lang="en-GB"/>
           </a:p>
@@ -780,34 +782,6 @@
           <a:bodyPr/>
           <a:lstStyle/>
           <a:p>
-            <a:r>
-              <a:rPr lang="pt-PT" dirty="0"/>
-              <a:t>Static Web Apps</a:t>
-            </a:r>
-          </a:p>
-          <a:p>
-            <a:r>
-              <a:rPr lang="pt-PT" dirty="0"/>
-              <a:t> - Github native workflows for CI/CD</a:t>
-            </a:r>
-          </a:p>
-          <a:p>
-            <a:r>
-              <a:rPr lang="pt-PT" dirty="0"/>
-              <a:t> - Managed availability</a:t>
-            </a:r>
-          </a:p>
-          <a:p>
-            <a:r>
-              <a:rPr lang="pt-PT" dirty="0"/>
-              <a:t> - Global Distribution and dynamic scale</a:t>
-            </a:r>
-          </a:p>
-          <a:p>
-            <a:r>
-              <a:rPr lang="pt-PT" dirty="0"/>
-              <a:t> - </a:t>
-            </a:r>
             <a:endParaRPr lang="en-IE" dirty="0"/>
           </a:p>
         </p:txBody>
@@ -838,7 +812,7 @@
     </p:spTree>
     <p:extLst>
       <p:ext uri="{BB962C8B-B14F-4D97-AF65-F5344CB8AC3E}">
-        <p14:creationId xmlns:p14="http://schemas.microsoft.com/office/powerpoint/2010/main" val="2922059692"/>
+        <p14:creationId xmlns:p14="http://schemas.microsoft.com/office/powerpoint/2010/main" val="1371617835"/>
       </p:ext>
     </p:extLst>
   </p:cSld>
@@ -892,23 +866,7 @@
           <a:bodyPr/>
           <a:lstStyle/>
           <a:p>
-            <a:r>
-              <a:rPr lang="pt-PT" dirty="0"/>
-              <a:t>UploadImage</a:t>
-            </a:r>
-          </a:p>
-          <a:p>
-            <a:r>
-              <a:rPr lang="pt-PT" dirty="0"/>
-              <a:t>ProcessImage</a:t>
-            </a:r>
-          </a:p>
-          <a:p>
-            <a:r>
-              <a:rPr lang="pt-PT" dirty="0"/>
-              <a:t>PushMessage</a:t>
-            </a:r>
-            <a:endParaRPr lang="en-IE" dirty="0"/>
+            <a:endParaRPr lang="pt-PT" dirty="0"/>
           </a:p>
         </p:txBody>
       </p:sp>
@@ -938,7 +896,7 @@
     </p:spTree>
     <p:extLst>
       <p:ext uri="{BB962C8B-B14F-4D97-AF65-F5344CB8AC3E}">
-        <p14:creationId xmlns:p14="http://schemas.microsoft.com/office/powerpoint/2010/main" val="3372529983"/>
+        <p14:creationId xmlns:p14="http://schemas.microsoft.com/office/powerpoint/2010/main" val="2922059692"/>
       </p:ext>
     </p:extLst>
   </p:cSld>
@@ -992,6 +950,22 @@
           <a:bodyPr/>
           <a:lstStyle/>
           <a:p>
+            <a:r>
+              <a:rPr lang="pt-PT" dirty="0"/>
+              <a:t>UploadImage</a:t>
+            </a:r>
+          </a:p>
+          <a:p>
+            <a:r>
+              <a:rPr lang="pt-PT" dirty="0"/>
+              <a:t>ProcessImage</a:t>
+            </a:r>
+          </a:p>
+          <a:p>
+            <a:r>
+              <a:rPr lang="pt-PT" dirty="0"/>
+              <a:t>PushMessage</a:t>
+            </a:r>
             <a:endParaRPr lang="en-IE" dirty="0"/>
           </a:p>
         </p:txBody>
@@ -1022,7 +996,191 @@
     </p:spTree>
     <p:extLst>
       <p:ext uri="{BB962C8B-B14F-4D97-AF65-F5344CB8AC3E}">
-        <p14:creationId xmlns:p14="http://schemas.microsoft.com/office/powerpoint/2010/main" val="1371617835"/>
+        <p14:creationId xmlns:p14="http://schemas.microsoft.com/office/powerpoint/2010/main" val="3372529983"/>
+      </p:ext>
+    </p:extLst>
+  </p:cSld>
+  <p:clrMapOvr>
+    <a:masterClrMapping/>
+  </p:clrMapOvr>
+</p:notes>
+</file>
+
+<file path=ppt/notesSlides/notesSlide7.xml><?xml version="1.0" encoding="utf-8"?>
+<p:notes xmlns:a="http://schemas.openxmlformats.org/drawingml/2006/main" xmlns:r="http://schemas.openxmlformats.org/officeDocument/2006/relationships" xmlns:p="http://schemas.openxmlformats.org/presentationml/2006/main">
+  <p:cSld>
+    <p:spTree>
+      <p:nvGrpSpPr>
+        <p:cNvPr id="1" name=""/>
+        <p:cNvGrpSpPr/>
+        <p:nvPr/>
+      </p:nvGrpSpPr>
+      <p:grpSpPr>
+        <a:xfrm>
+          <a:off x="0" y="0"/>
+          <a:ext cx="0" cy="0"/>
+          <a:chOff x="0" y="0"/>
+          <a:chExt cx="0" cy="0"/>
+        </a:xfrm>
+      </p:grpSpPr>
+      <p:sp>
+        <p:nvSpPr>
+          <p:cNvPr id="2" name="Slide Image Placeholder 1"/>
+          <p:cNvSpPr>
+            <a:spLocks noGrp="1" noRot="1" noChangeAspect="1"/>
+          </p:cNvSpPr>
+          <p:nvPr>
+            <p:ph type="sldImg"/>
+          </p:nvPr>
+        </p:nvSpPr>
+        <p:spPr/>
+      </p:sp>
+      <p:sp>
+        <p:nvSpPr>
+          <p:cNvPr id="3" name="Notes Placeholder 2"/>
+          <p:cNvSpPr>
+            <a:spLocks noGrp="1"/>
+          </p:cNvSpPr>
+          <p:nvPr>
+            <p:ph type="body" idx="1"/>
+          </p:nvPr>
+        </p:nvSpPr>
+        <p:spPr/>
+        <p:txBody>
+          <a:bodyPr/>
+          <a:lstStyle/>
+          <a:p>
+            <a:endParaRPr lang="en-IE" dirty="0"/>
+          </a:p>
+        </p:txBody>
+      </p:sp>
+      <p:sp>
+        <p:nvSpPr>
+          <p:cNvPr id="4" name="Slide Number Placeholder 3"/>
+          <p:cNvSpPr>
+            <a:spLocks noGrp="1"/>
+          </p:cNvSpPr>
+          <p:nvPr>
+            <p:ph type="sldNum" sz="quarter" idx="5"/>
+          </p:nvPr>
+        </p:nvSpPr>
+        <p:spPr/>
+        <p:txBody>
+          <a:bodyPr/>
+          <a:lstStyle/>
+          <a:p>
+            <a:fld id="{875ABD9E-15FC-4600-B358-BDED9BE3FCDA}" type="slidenum">
+              <a:rPr lang="en-GB" smtClean="0"/>
+              <a:t>7</a:t>
+            </a:fld>
+            <a:endParaRPr lang="en-GB"/>
+          </a:p>
+        </p:txBody>
+      </p:sp>
+    </p:spTree>
+    <p:extLst>
+      <p:ext uri="{BB962C8B-B14F-4D97-AF65-F5344CB8AC3E}">
+        <p14:creationId xmlns:p14="http://schemas.microsoft.com/office/powerpoint/2010/main" val="3108817734"/>
+      </p:ext>
+    </p:extLst>
+  </p:cSld>
+  <p:clrMapOvr>
+    <a:masterClrMapping/>
+  </p:clrMapOvr>
+</p:notes>
+</file>
+
+<file path=ppt/notesSlides/notesSlide8.xml><?xml version="1.0" encoding="utf-8"?>
+<p:notes xmlns:a="http://schemas.openxmlformats.org/drawingml/2006/main" xmlns:r="http://schemas.openxmlformats.org/officeDocument/2006/relationships" xmlns:p="http://schemas.openxmlformats.org/presentationml/2006/main">
+  <p:cSld>
+    <p:spTree>
+      <p:nvGrpSpPr>
+        <p:cNvPr id="1" name=""/>
+        <p:cNvGrpSpPr/>
+        <p:nvPr/>
+      </p:nvGrpSpPr>
+      <p:grpSpPr>
+        <a:xfrm>
+          <a:off x="0" y="0"/>
+          <a:ext cx="0" cy="0"/>
+          <a:chOff x="0" y="0"/>
+          <a:chExt cx="0" cy="0"/>
+        </a:xfrm>
+      </p:grpSpPr>
+      <p:sp>
+        <p:nvSpPr>
+          <p:cNvPr id="2" name="Slide Image Placeholder 1"/>
+          <p:cNvSpPr>
+            <a:spLocks noGrp="1" noRot="1" noChangeAspect="1"/>
+          </p:cNvSpPr>
+          <p:nvPr>
+            <p:ph type="sldImg"/>
+          </p:nvPr>
+        </p:nvSpPr>
+        <p:spPr/>
+      </p:sp>
+      <p:sp>
+        <p:nvSpPr>
+          <p:cNvPr id="3" name="Notes Placeholder 2"/>
+          <p:cNvSpPr>
+            <a:spLocks noGrp="1"/>
+          </p:cNvSpPr>
+          <p:nvPr>
+            <p:ph type="body" idx="1"/>
+          </p:nvPr>
+        </p:nvSpPr>
+        <p:spPr/>
+        <p:txBody>
+          <a:bodyPr/>
+          <a:lstStyle/>
+          <a:p>
+            <a:r>
+              <a:rPr lang="pt-PT" dirty="0"/>
+              <a:t>UploadImage</a:t>
+            </a:r>
+          </a:p>
+          <a:p>
+            <a:r>
+              <a:rPr lang="pt-PT" dirty="0"/>
+              <a:t>ProcessImage</a:t>
+            </a:r>
+          </a:p>
+          <a:p>
+            <a:r>
+              <a:rPr lang="pt-PT" dirty="0"/>
+              <a:t>PushMessage</a:t>
+            </a:r>
+            <a:endParaRPr lang="en-IE" dirty="0"/>
+          </a:p>
+        </p:txBody>
+      </p:sp>
+      <p:sp>
+        <p:nvSpPr>
+          <p:cNvPr id="4" name="Slide Number Placeholder 3"/>
+          <p:cNvSpPr>
+            <a:spLocks noGrp="1"/>
+          </p:cNvSpPr>
+          <p:nvPr>
+            <p:ph type="sldNum" sz="quarter" idx="5"/>
+          </p:nvPr>
+        </p:nvSpPr>
+        <p:spPr/>
+        <p:txBody>
+          <a:bodyPr/>
+          <a:lstStyle/>
+          <a:p>
+            <a:fld id="{875ABD9E-15FC-4600-B358-BDED9BE3FCDA}" type="slidenum">
+              <a:rPr lang="en-GB" smtClean="0"/>
+              <a:t>8</a:t>
+            </a:fld>
+            <a:endParaRPr lang="en-GB"/>
+          </a:p>
+        </p:txBody>
+      </p:sp>
+    </p:spTree>
+    <p:extLst>
+      <p:ext uri="{BB962C8B-B14F-4D97-AF65-F5344CB8AC3E}">
+        <p14:creationId xmlns:p14="http://schemas.microsoft.com/office/powerpoint/2010/main" val="465715240"/>
       </p:ext>
     </p:extLst>
   </p:cSld>
@@ -1163,7 +1321,7 @@
           <a:p>
             <a:fld id="{7A5EA4A7-443B-4C05-8DE1-F33DCE877AA7}" type="datetimeFigureOut">
               <a:rPr lang="en-IE" smtClean="0"/>
-              <a:t>19/12/2020</a:t>
+              <a:t>22/12/2020</a:t>
             </a:fld>
             <a:endParaRPr lang="en-IE"/>
           </a:p>
@@ -1333,7 +1491,7 @@
           <a:p>
             <a:fld id="{7A5EA4A7-443B-4C05-8DE1-F33DCE877AA7}" type="datetimeFigureOut">
               <a:rPr lang="en-IE" smtClean="0"/>
-              <a:t>19/12/2020</a:t>
+              <a:t>22/12/2020</a:t>
             </a:fld>
             <a:endParaRPr lang="en-IE"/>
           </a:p>
@@ -1513,7 +1671,7 @@
           <a:p>
             <a:fld id="{7A5EA4A7-443B-4C05-8DE1-F33DCE877AA7}" type="datetimeFigureOut">
               <a:rPr lang="en-IE" smtClean="0"/>
-              <a:t>19/12/2020</a:t>
+              <a:t>22/12/2020</a:t>
             </a:fld>
             <a:endParaRPr lang="en-IE"/>
           </a:p>
@@ -1796,7 +1954,7 @@
           <a:p>
             <a:fld id="{7A5EA4A7-443B-4C05-8DE1-F33DCE877AA7}" type="datetimeFigureOut">
               <a:rPr lang="en-IE" smtClean="0"/>
-              <a:t>19/12/2020</a:t>
+              <a:t>22/12/2020</a:t>
             </a:fld>
             <a:endParaRPr lang="en-IE"/>
           </a:p>
@@ -2042,7 +2200,7 @@
           <a:p>
             <a:fld id="{7A5EA4A7-443B-4C05-8DE1-F33DCE877AA7}" type="datetimeFigureOut">
               <a:rPr lang="en-IE" smtClean="0"/>
-              <a:t>19/12/2020</a:t>
+              <a:t>22/12/2020</a:t>
             </a:fld>
             <a:endParaRPr lang="en-IE"/>
           </a:p>
@@ -2274,7 +2432,7 @@
           <a:p>
             <a:fld id="{7A5EA4A7-443B-4C05-8DE1-F33DCE877AA7}" type="datetimeFigureOut">
               <a:rPr lang="en-IE" smtClean="0"/>
-              <a:t>19/12/2020</a:t>
+              <a:t>22/12/2020</a:t>
             </a:fld>
             <a:endParaRPr lang="en-IE"/>
           </a:p>
@@ -2641,7 +2799,7 @@
           <a:p>
             <a:fld id="{7A5EA4A7-443B-4C05-8DE1-F33DCE877AA7}" type="datetimeFigureOut">
               <a:rPr lang="en-IE" smtClean="0"/>
-              <a:t>19/12/2020</a:t>
+              <a:t>22/12/2020</a:t>
             </a:fld>
             <a:endParaRPr lang="en-IE"/>
           </a:p>
@@ -2759,7 +2917,7 @@
           <a:p>
             <a:fld id="{7A5EA4A7-443B-4C05-8DE1-F33DCE877AA7}" type="datetimeFigureOut">
               <a:rPr lang="en-IE" smtClean="0"/>
-              <a:t>19/12/2020</a:t>
+              <a:t>22/12/2020</a:t>
             </a:fld>
             <a:endParaRPr lang="en-IE"/>
           </a:p>
@@ -2854,7 +3012,7 @@
           <a:p>
             <a:fld id="{7A5EA4A7-443B-4C05-8DE1-F33DCE877AA7}" type="datetimeFigureOut">
               <a:rPr lang="en-IE" smtClean="0"/>
-              <a:t>19/12/2020</a:t>
+              <a:t>22/12/2020</a:t>
             </a:fld>
             <a:endParaRPr lang="en-IE"/>
           </a:p>
@@ -3131,7 +3289,7 @@
           <a:p>
             <a:fld id="{7A5EA4A7-443B-4C05-8DE1-F33DCE877AA7}" type="datetimeFigureOut">
               <a:rPr lang="en-IE" smtClean="0"/>
-              <a:t>19/12/2020</a:t>
+              <a:t>22/12/2020</a:t>
             </a:fld>
             <a:endParaRPr lang="en-IE"/>
           </a:p>
@@ -3388,7 +3546,7 @@
           <a:p>
             <a:fld id="{7A5EA4A7-443B-4C05-8DE1-F33DCE877AA7}" type="datetimeFigureOut">
               <a:rPr lang="en-IE" smtClean="0"/>
-              <a:t>19/12/2020</a:t>
+              <a:t>22/12/2020</a:t>
             </a:fld>
             <a:endParaRPr lang="en-IE"/>
           </a:p>
@@ -3601,7 +3759,7 @@
           <a:p>
             <a:fld id="{7A5EA4A7-443B-4C05-8DE1-F33DCE877AA7}" type="datetimeFigureOut">
               <a:rPr lang="en-IE" smtClean="0"/>
-              <a:t>19/12/2020</a:t>
+              <a:t>22/12/2020</a:t>
             </a:fld>
             <a:endParaRPr lang="en-IE"/>
           </a:p>
@@ -4382,6 +4540,357 @@
 </p:sld>
 </file>
 
+<file path=ppt/slides/slide10.xml><?xml version="1.0" encoding="utf-8"?>
+<p:sld xmlns:a="http://schemas.openxmlformats.org/drawingml/2006/main" xmlns:r="http://schemas.openxmlformats.org/officeDocument/2006/relationships" xmlns:p="http://schemas.openxmlformats.org/presentationml/2006/main">
+  <p:cSld>
+    <p:bg>
+      <p:bgPr>
+        <a:solidFill>
+          <a:schemeClr val="bg1"/>
+        </a:solidFill>
+        <a:effectLst/>
+      </p:bgPr>
+    </p:bg>
+    <p:spTree>
+      <p:nvGrpSpPr>
+        <p:cNvPr id="1" name=""/>
+        <p:cNvGrpSpPr/>
+        <p:nvPr/>
+      </p:nvGrpSpPr>
+      <p:grpSpPr>
+        <a:xfrm>
+          <a:off x="0" y="0"/>
+          <a:ext cx="0" cy="0"/>
+          <a:chOff x="0" y="0"/>
+          <a:chExt cx="0" cy="0"/>
+        </a:xfrm>
+      </p:grpSpPr>
+      <p:sp>
+        <p:nvSpPr>
+          <p:cNvPr id="9" name="Rectangle 8">
+            <a:extLst>
+              <a:ext uri="{FF2B5EF4-FFF2-40B4-BE49-F238E27FC236}">
+                <a16:creationId xmlns:a16="http://schemas.microsoft.com/office/drawing/2014/main" id="{42A5316D-ED2F-4F89-B4B4-8D9240B1A348}"/>
+              </a:ext>
+              <a:ext uri="{C183D7F6-B498-43B3-948B-1728B52AA6E4}">
+                <adec:decorative xmlns:adec="http://schemas.microsoft.com/office/drawing/2017/decorative" val="1"/>
+              </a:ext>
+            </a:extLst>
+          </p:cNvPr>
+          <p:cNvSpPr>
+            <a:spLocks noGrp="1" noRot="1" noChangeAspect="1" noMove="1" noResize="1" noEditPoints="1" noAdjustHandles="1" noChangeArrowheads="1" noChangeShapeType="1" noTextEdit="1"/>
+          </p:cNvSpPr>
+          <p:nvPr>
+            <p:extLst>
+              <p:ext uri="{386F3935-93C4-4BCD-93E2-E3B085C9AB24}">
+                <p16:designElem xmlns:p16="http://schemas.microsoft.com/office/powerpoint/2015/main" val="1"/>
+              </p:ext>
+            </p:extLst>
+          </p:nvPr>
+        </p:nvSpPr>
+        <p:spPr>
+          <a:xfrm>
+            <a:off x="0" y="0"/>
+            <a:ext cx="2013557" cy="6858000"/>
+          </a:xfrm>
+          <a:prstGeom prst="rect">
+            <a:avLst/>
+          </a:prstGeom>
+          <a:solidFill>
+            <a:schemeClr val="accent4">
+              <a:lumMod val="50000"/>
+            </a:schemeClr>
+          </a:solidFill>
+          <a:ln>
+            <a:noFill/>
+          </a:ln>
+        </p:spPr>
+        <p:style>
+          <a:lnRef idx="2">
+            <a:schemeClr val="accent1">
+              <a:shade val="50000"/>
+            </a:schemeClr>
+          </a:lnRef>
+          <a:fillRef idx="1">
+            <a:schemeClr val="accent1"/>
+          </a:fillRef>
+          <a:effectRef idx="0">
+            <a:schemeClr val="accent1"/>
+          </a:effectRef>
+          <a:fontRef idx="minor">
+            <a:schemeClr val="lt1"/>
+          </a:fontRef>
+        </p:style>
+        <p:txBody>
+          <a:bodyPr rtlCol="0" anchor="ctr"/>
+          <a:lstStyle/>
+          <a:p>
+            <a:pPr marL="0" marR="0" lvl="0" indent="0" algn="ctr" defTabSz="457200" rtl="0" eaLnBrk="1" fontAlgn="auto" latinLnBrk="0" hangingPunct="1">
+              <a:lnSpc>
+                <a:spcPct val="100000"/>
+              </a:lnSpc>
+              <a:spcBef>
+                <a:spcPts val="0"/>
+              </a:spcBef>
+              <a:spcAft>
+                <a:spcPts val="0"/>
+              </a:spcAft>
+              <a:buClrTx/>
+              <a:buSzTx/>
+              <a:buFontTx/>
+              <a:buNone/>
+              <a:tabLst/>
+              <a:defRPr/>
+            </a:pPr>
+            <a:endParaRPr kumimoji="0" lang="en-US" sz="1800" b="0" i="0" u="none" strike="noStrike" kern="1200" cap="none" spc="0" normalizeH="0" baseline="0" noProof="0">
+              <a:ln>
+                <a:noFill/>
+              </a:ln>
+              <a:solidFill>
+                <a:prstClr val="white"/>
+              </a:solidFill>
+              <a:effectLst/>
+              <a:uLnTx/>
+              <a:uFillTx/>
+              <a:latin typeface="Calibri" panose="020F0502020204030204"/>
+              <a:ea typeface="+mn-ea"/>
+              <a:cs typeface="+mn-cs"/>
+            </a:endParaRPr>
+          </a:p>
+        </p:txBody>
+      </p:sp>
+      <p:sp>
+        <p:nvSpPr>
+          <p:cNvPr id="2" name="Title 1">
+            <a:extLst>
+              <a:ext uri="{FF2B5EF4-FFF2-40B4-BE49-F238E27FC236}">
+                <a16:creationId xmlns:a16="http://schemas.microsoft.com/office/drawing/2014/main" id="{7219E083-9E7C-4C63-AF63-992DC2352BBC}"/>
+              </a:ext>
+            </a:extLst>
+          </p:cNvPr>
+          <p:cNvSpPr>
+            <a:spLocks noGrp="1"/>
+          </p:cNvSpPr>
+          <p:nvPr>
+            <p:ph type="title"/>
+          </p:nvPr>
+        </p:nvSpPr>
+        <p:spPr>
+          <a:xfrm>
+            <a:off x="838200" y="2057400"/>
+            <a:ext cx="2743200" cy="2743200"/>
+          </a:xfrm>
+          <a:prstGeom prst="ellipse">
+            <a:avLst/>
+          </a:prstGeom>
+          <a:solidFill>
+            <a:srgbClr val="262626"/>
+          </a:solidFill>
+          <a:ln w="174625" cmpd="thinThick">
+            <a:solidFill>
+              <a:srgbClr val="262626"/>
+            </a:solidFill>
+          </a:ln>
+        </p:spPr>
+        <p:txBody>
+          <a:bodyPr anchor="ctr">
+            <a:normAutofit/>
+          </a:bodyPr>
+          <a:lstStyle/>
+          <a:p>
+            <a:pPr algn="ctr"/>
+            <a:r>
+              <a:rPr lang="en-IE" sz="2600" dirty="0">
+                <a:solidFill>
+                  <a:srgbClr val="FFFFFF"/>
+                </a:solidFill>
+              </a:rPr>
+              <a:t>Let’s connect!</a:t>
+            </a:r>
+          </a:p>
+        </p:txBody>
+      </p:sp>
+      <p:pic>
+        <p:nvPicPr>
+          <p:cNvPr id="22" name="Picture 2" descr="See the source image">
+            <a:extLst>
+              <a:ext uri="{FF2B5EF4-FFF2-40B4-BE49-F238E27FC236}">
+                <a16:creationId xmlns:a16="http://schemas.microsoft.com/office/drawing/2014/main" id="{29EAB055-2B90-48A6-8B47-2DBA8706C22E}"/>
+              </a:ext>
+            </a:extLst>
+          </p:cNvPr>
+          <p:cNvPicPr>
+            <a:picLocks noChangeAspect="1" noChangeArrowheads="1"/>
+          </p:cNvPicPr>
+          <p:nvPr/>
+        </p:nvPicPr>
+        <p:blipFill>
+          <a:blip r:embed="rId2">
+            <a:extLst>
+              <a:ext uri="{28A0092B-C50C-407E-A947-70E740481C1C}">
+                <a14:useLocalDpi xmlns:a14="http://schemas.microsoft.com/office/drawing/2010/main" val="0"/>
+              </a:ext>
+            </a:extLst>
+          </a:blip>
+          <a:srcRect/>
+          <a:stretch>
+            <a:fillRect/>
+          </a:stretch>
+        </p:blipFill>
+        <p:spPr bwMode="auto">
+          <a:xfrm>
+            <a:off x="4296613" y="1245948"/>
+            <a:ext cx="1220585" cy="1220585"/>
+          </a:xfrm>
+          <a:prstGeom prst="rect">
+            <a:avLst/>
+          </a:prstGeom>
+          <a:noFill/>
+          <a:extLst>
+            <a:ext uri="{909E8E84-426E-40DD-AFC4-6F175D3DCCD1}">
+              <a14:hiddenFill xmlns:a14="http://schemas.microsoft.com/office/drawing/2010/main">
+                <a:solidFill>
+                  <a:srgbClr val="FFFFFF"/>
+                </a:solidFill>
+              </a14:hiddenFill>
+            </a:ext>
+          </a:extLst>
+        </p:spPr>
+      </p:pic>
+      <p:sp>
+        <p:nvSpPr>
+          <p:cNvPr id="23" name="TextBox 22">
+            <a:extLst>
+              <a:ext uri="{FF2B5EF4-FFF2-40B4-BE49-F238E27FC236}">
+                <a16:creationId xmlns:a16="http://schemas.microsoft.com/office/drawing/2014/main" id="{B79293EA-F172-4864-958C-70C91FE11E61}"/>
+              </a:ext>
+            </a:extLst>
+          </p:cNvPr>
+          <p:cNvSpPr txBox="1"/>
+          <p:nvPr/>
+        </p:nvSpPr>
+        <p:spPr>
+          <a:xfrm>
+            <a:off x="5654358" y="1533074"/>
+            <a:ext cx="6215149" cy="646331"/>
+          </a:xfrm>
+          <a:prstGeom prst="rect">
+            <a:avLst/>
+          </a:prstGeom>
+          <a:noFill/>
+        </p:spPr>
+        <p:txBody>
+          <a:bodyPr wrap="square" rtlCol="0">
+            <a:spAutoFit/>
+          </a:bodyPr>
+          <a:lstStyle/>
+          <a:p>
+            <a:r>
+              <a:rPr lang="en-GB" sz="3600" dirty="0">
+                <a:latin typeface="Century Gothic" panose="020B0502020202020204" pitchFamily="34" charset="0"/>
+              </a:rPr>
+              <a:t>www.hugobarona.com</a:t>
+            </a:r>
+          </a:p>
+        </p:txBody>
+      </p:sp>
+      <p:pic>
+        <p:nvPicPr>
+          <p:cNvPr id="6" name="Picture 2" descr="See the source image">
+            <a:extLst>
+              <a:ext uri="{FF2B5EF4-FFF2-40B4-BE49-F238E27FC236}">
+                <a16:creationId xmlns:a16="http://schemas.microsoft.com/office/drawing/2014/main" id="{C4AAB9B4-0B02-43E6-AA0B-EAAD80F68288}"/>
+              </a:ext>
+            </a:extLst>
+          </p:cNvPr>
+          <p:cNvPicPr>
+            <a:picLocks noChangeAspect="1" noChangeArrowheads="1"/>
+          </p:cNvPicPr>
+          <p:nvPr/>
+        </p:nvPicPr>
+        <p:blipFill>
+          <a:blip r:embed="rId2">
+            <a:extLst>
+              <a:ext uri="{28A0092B-C50C-407E-A947-70E740481C1C}">
+                <a14:useLocalDpi xmlns:a14="http://schemas.microsoft.com/office/drawing/2010/main" val="0"/>
+              </a:ext>
+            </a:extLst>
+          </a:blip>
+          <a:srcRect/>
+          <a:stretch>
+            <a:fillRect/>
+          </a:stretch>
+        </p:blipFill>
+        <p:spPr bwMode="auto">
+          <a:xfrm>
+            <a:off x="4296612" y="3439636"/>
+            <a:ext cx="1220585" cy="1220585"/>
+          </a:xfrm>
+          <a:prstGeom prst="rect">
+            <a:avLst/>
+          </a:prstGeom>
+          <a:noFill/>
+          <a:extLst>
+            <a:ext uri="{909E8E84-426E-40DD-AFC4-6F175D3DCCD1}">
+              <a14:hiddenFill xmlns:a14="http://schemas.microsoft.com/office/drawing/2010/main">
+                <a:solidFill>
+                  <a:srgbClr val="FFFFFF"/>
+                </a:solidFill>
+              </a14:hiddenFill>
+            </a:ext>
+          </a:extLst>
+        </p:spPr>
+      </p:pic>
+      <p:sp>
+        <p:nvSpPr>
+          <p:cNvPr id="7" name="TextBox 6">
+            <a:extLst>
+              <a:ext uri="{FF2B5EF4-FFF2-40B4-BE49-F238E27FC236}">
+                <a16:creationId xmlns:a16="http://schemas.microsoft.com/office/drawing/2014/main" id="{A4B8CCBF-05F6-46EA-A5EF-9D0817E065D4}"/>
+              </a:ext>
+            </a:extLst>
+          </p:cNvPr>
+          <p:cNvSpPr txBox="1"/>
+          <p:nvPr/>
+        </p:nvSpPr>
+        <p:spPr>
+          <a:xfrm>
+            <a:off x="5654358" y="3726762"/>
+            <a:ext cx="6215149" cy="646331"/>
+          </a:xfrm>
+          <a:prstGeom prst="rect">
+            <a:avLst/>
+          </a:prstGeom>
+          <a:noFill/>
+        </p:spPr>
+        <p:txBody>
+          <a:bodyPr wrap="square" rtlCol="0">
+            <a:spAutoFit/>
+          </a:bodyPr>
+          <a:lstStyle/>
+          <a:p>
+            <a:r>
+              <a:rPr lang="en-GB" sz="3600" dirty="0">
+                <a:latin typeface="Century Gothic" panose="020B0502020202020204" pitchFamily="34" charset="0"/>
+              </a:rPr>
+              <a:t>goncalvesj.github.io</a:t>
+            </a:r>
+          </a:p>
+        </p:txBody>
+      </p:sp>
+    </p:spTree>
+    <p:extLst>
+      <p:ext uri="{BB962C8B-B14F-4D97-AF65-F5344CB8AC3E}">
+        <p14:creationId xmlns:p14="http://schemas.microsoft.com/office/powerpoint/2010/main" val="4011381114"/>
+      </p:ext>
+    </p:extLst>
+  </p:cSld>
+  <p:clrMapOvr>
+    <a:masterClrMapping/>
+  </p:clrMapOvr>
+</p:sld>
+</file>
+
 <file path=ppt/slides/slide2.xml><?xml version="1.0" encoding="utf-8"?>
 <p:sld xmlns:a="http://schemas.openxmlformats.org/drawingml/2006/main" xmlns:r="http://schemas.openxmlformats.org/officeDocument/2006/relationships" xmlns:p="http://schemas.openxmlformats.org/presentationml/2006/main">
   <p:cSld>
@@ -5989,6 +6498,225 @@
 </file>
 
 <file path=ppt/slides/slide4.xml><?xml version="1.0" encoding="utf-8"?>
+<p:sld xmlns:a="http://schemas.openxmlformats.org/drawingml/2006/main" xmlns:r="http://schemas.openxmlformats.org/officeDocument/2006/relationships" xmlns:p="http://schemas.openxmlformats.org/presentationml/2006/main">
+  <p:cSld>
+    <p:bg>
+      <p:bgPr>
+        <a:solidFill>
+          <a:srgbClr val="000000"/>
+        </a:solidFill>
+        <a:effectLst/>
+      </p:bgPr>
+    </p:bg>
+    <p:spTree>
+      <p:nvGrpSpPr>
+        <p:cNvPr id="1" name=""/>
+        <p:cNvGrpSpPr/>
+        <p:nvPr/>
+      </p:nvGrpSpPr>
+      <p:grpSpPr>
+        <a:xfrm>
+          <a:off x="0" y="0"/>
+          <a:ext cx="0" cy="0"/>
+          <a:chOff x="0" y="0"/>
+          <a:chExt cx="0" cy="0"/>
+        </a:xfrm>
+      </p:grpSpPr>
+      <p:sp>
+        <p:nvSpPr>
+          <p:cNvPr id="8" name="Rectangle 7">
+            <a:extLst>
+              <a:ext uri="{FF2B5EF4-FFF2-40B4-BE49-F238E27FC236}">
+                <a16:creationId xmlns:a16="http://schemas.microsoft.com/office/drawing/2014/main" id="{71B2258F-86CA-4D4D-8270-BC05FCDEBFB3}"/>
+              </a:ext>
+              <a:ext uri="{C183D7F6-B498-43B3-948B-1728B52AA6E4}">
+                <adec:decorative xmlns:adec="http://schemas.microsoft.com/office/drawing/2017/decorative" val="1"/>
+              </a:ext>
+            </a:extLst>
+          </p:cNvPr>
+          <p:cNvSpPr>
+            <a:spLocks noGrp="1" noRot="1" noChangeAspect="1" noMove="1" noResize="1" noEditPoints="1" noAdjustHandles="1" noChangeArrowheads="1" noChangeShapeType="1" noTextEdit="1"/>
+          </p:cNvSpPr>
+          <p:nvPr>
+            <p:extLst>
+              <p:ext uri="{386F3935-93C4-4BCD-93E2-E3B085C9AB24}">
+                <p16:designElem xmlns:p16="http://schemas.microsoft.com/office/powerpoint/2015/main" val="1"/>
+              </p:ext>
+            </p:extLst>
+          </p:nvPr>
+        </p:nvSpPr>
+        <p:spPr>
+          <a:xfrm>
+            <a:off x="0" y="0"/>
+            <a:ext cx="12192000" cy="6857999"/>
+          </a:xfrm>
+          <a:prstGeom prst="rect">
+            <a:avLst/>
+          </a:prstGeom>
+          <a:solidFill>
+            <a:srgbClr val="000000"/>
+          </a:solidFill>
+          <a:ln>
+            <a:noFill/>
+          </a:ln>
+        </p:spPr>
+        <p:style>
+          <a:lnRef idx="2">
+            <a:schemeClr val="accent1">
+              <a:shade val="50000"/>
+            </a:schemeClr>
+          </a:lnRef>
+          <a:fillRef idx="1">
+            <a:schemeClr val="accent1"/>
+          </a:fillRef>
+          <a:effectRef idx="0">
+            <a:schemeClr val="accent1"/>
+          </a:effectRef>
+          <a:fontRef idx="minor">
+            <a:schemeClr val="lt1"/>
+          </a:fontRef>
+        </p:style>
+        <p:txBody>
+          <a:bodyPr rtlCol="0" anchor="ctr"/>
+          <a:lstStyle/>
+          <a:p>
+            <a:pPr algn="ctr"/>
+            <a:endParaRPr lang="en-US"/>
+          </a:p>
+        </p:txBody>
+      </p:sp>
+      <p:pic>
+        <p:nvPicPr>
+          <p:cNvPr id="3" name="Picture 2" descr="A picture containing scene, laser, light, stage&#10;&#10;Description automatically generated">
+            <a:extLst>
+              <a:ext uri="{FF2B5EF4-FFF2-40B4-BE49-F238E27FC236}">
+                <a16:creationId xmlns:a16="http://schemas.microsoft.com/office/drawing/2014/main" id="{F6EE0785-B448-4E3C-9BF7-A3C01963677E}"/>
+              </a:ext>
+            </a:extLst>
+          </p:cNvPr>
+          <p:cNvPicPr>
+            <a:picLocks noChangeAspect="1"/>
+          </p:cNvPicPr>
+          <p:nvPr/>
+        </p:nvPicPr>
+        <p:blipFill rotWithShape="1">
+          <a:blip r:embed="rId3">
+            <a:alphaModFix amt="50000"/>
+            <a:extLst>
+              <a:ext uri="{28A0092B-C50C-407E-A947-70E740481C1C}">
+                <a14:useLocalDpi xmlns:a14="http://schemas.microsoft.com/office/drawing/2010/main" val="0"/>
+              </a:ext>
+            </a:extLst>
+          </a:blip>
+          <a:srcRect/>
+          <a:stretch/>
+        </p:blipFill>
+        <p:spPr>
+          <a:xfrm>
+            <a:off x="20" y="1"/>
+            <a:ext cx="12191980" cy="6857999"/>
+          </a:xfrm>
+          <a:prstGeom prst="rect">
+            <a:avLst/>
+          </a:prstGeom>
+        </p:spPr>
+      </p:pic>
+      <p:sp>
+        <p:nvSpPr>
+          <p:cNvPr id="2" name="Title 1">
+            <a:extLst>
+              <a:ext uri="{FF2B5EF4-FFF2-40B4-BE49-F238E27FC236}">
+                <a16:creationId xmlns:a16="http://schemas.microsoft.com/office/drawing/2014/main" id="{82D37F2D-73C1-4759-8E3E-6DED850CDEF4}"/>
+              </a:ext>
+            </a:extLst>
+          </p:cNvPr>
+          <p:cNvSpPr>
+            <a:spLocks noGrp="1"/>
+          </p:cNvSpPr>
+          <p:nvPr>
+            <p:ph type="title"/>
+          </p:nvPr>
+        </p:nvSpPr>
+        <p:spPr>
+          <a:xfrm>
+            <a:off x="527538" y="1122361"/>
+            <a:ext cx="11078308" cy="5137761"/>
+          </a:xfrm>
+        </p:spPr>
+        <p:txBody>
+          <a:bodyPr vert="horz" lIns="91440" tIns="45720" rIns="91440" bIns="45720" rtlCol="0" anchor="b">
+            <a:normAutofit fontScale="90000"/>
+          </a:bodyPr>
+          <a:lstStyle/>
+          <a:p>
+            <a:pPr algn="ctr"/>
+            <a:r>
+              <a:rPr lang="en-US" sz="9600" dirty="0">
+                <a:solidFill>
+                  <a:srgbClr val="FFFFFF"/>
+                </a:solidFill>
+              </a:rPr>
+              <a:t>Workshop</a:t>
+            </a:r>
+            <a:br>
+              <a:rPr lang="en-US" sz="9600" dirty="0">
+                <a:solidFill>
+                  <a:srgbClr val="FFFFFF"/>
+                </a:solidFill>
+              </a:rPr>
+            </a:br>
+            <a:r>
+              <a:rPr lang="en-US" sz="9600" dirty="0">
+                <a:solidFill>
+                  <a:srgbClr val="FFFFFF"/>
+                </a:solidFill>
+              </a:rPr>
+              <a:t>Deployment</a:t>
+            </a:r>
+            <a:br>
+              <a:rPr lang="en-US" sz="9600" dirty="0">
+                <a:solidFill>
+                  <a:srgbClr val="FFFFFF"/>
+                </a:solidFill>
+              </a:rPr>
+            </a:br>
+            <a:br>
+              <a:rPr lang="en-US" sz="9600" dirty="0">
+                <a:solidFill>
+                  <a:srgbClr val="FFFFFF"/>
+                </a:solidFill>
+              </a:rPr>
+            </a:br>
+            <a:r>
+              <a:rPr lang="en-US" sz="4000" dirty="0">
+                <a:solidFill>
+                  <a:srgbClr val="FFFFFF"/>
+                </a:solidFill>
+              </a:rPr>
+              <a:t>https://github.com/goncalvesj/festive-calendar-serverless</a:t>
+            </a:r>
+            <a:endParaRPr lang="en-US" sz="9600" dirty="0">
+              <a:solidFill>
+                <a:srgbClr val="FFFFFF"/>
+              </a:solidFill>
+            </a:endParaRPr>
+          </a:p>
+        </p:txBody>
+      </p:sp>
+    </p:spTree>
+    <p:extLst>
+      <p:ext uri="{BB962C8B-B14F-4D97-AF65-F5344CB8AC3E}">
+        <p14:creationId xmlns:p14="http://schemas.microsoft.com/office/powerpoint/2010/main" val="325427722"/>
+      </p:ext>
+    </p:extLst>
+  </p:cSld>
+  <p:clrMapOvr>
+    <a:overrideClrMapping bg1="dk1" tx1="lt1" bg2="dk2" tx2="lt2" accent1="accent1" accent2="accent2" accent3="accent3" accent4="accent4" accent5="accent5" accent6="accent6" hlink="hlink" folHlink="folHlink"/>
+  </p:clrMapOvr>
+</p:sld>
+</file>
+
+<file path=ppt/slides/slide5.xml><?xml version="1.0" encoding="utf-8"?>
 <p:sld xmlns:a="http://schemas.openxmlformats.org/drawingml/2006/main" xmlns:r="http://schemas.openxmlformats.org/officeDocument/2006/relationships" xmlns:p="http://schemas.openxmlformats.org/presentationml/2006/main">
   <p:cSld>
     <p:spTree>
@@ -8357,7 +9085,7 @@
 </p:sld>
 </file>
 
-<file path=ppt/slides/slide5.xml><?xml version="1.0" encoding="utf-8"?>
+<file path=ppt/slides/slide6.xml><?xml version="1.0" encoding="utf-8"?>
 <p:sld xmlns:a="http://schemas.openxmlformats.org/drawingml/2006/main" xmlns:r="http://schemas.openxmlformats.org/officeDocument/2006/relationships" xmlns:p="http://schemas.openxmlformats.org/presentationml/2006/main">
   <p:cSld>
     <p:spTree>
@@ -8455,6 +9183,68 @@
           </a:p>
         </p:txBody>
       </p:sp>
+      <p:pic>
+        <p:nvPicPr>
+          <p:cNvPr id="12" name="Picture 11" descr="A picture containing water, red, outdoor&#10;&#10;Description generated with high confidence">
+            <a:extLst>
+              <a:ext uri="{FF2B5EF4-FFF2-40B4-BE49-F238E27FC236}">
+                <a16:creationId xmlns:a16="http://schemas.microsoft.com/office/drawing/2014/main" id="{24E1E48C-A94C-4783-8FBC-BBE7A02E29E3}"/>
+              </a:ext>
+            </a:extLst>
+          </p:cNvPr>
+          <p:cNvPicPr>
+            <a:picLocks noChangeAspect="1"/>
+          </p:cNvPicPr>
+          <p:nvPr/>
+        </p:nvPicPr>
+        <p:blipFill rotWithShape="1">
+          <a:blip r:embed="rId4" cstate="print">
+            <a:extLst>
+              <a:ext uri="{BEBA8EAE-BF5A-486C-A8C5-ECC9F3942E4B}">
+                <a14:imgProps xmlns:a14="http://schemas.microsoft.com/office/drawing/2010/main">
+                  <a14:imgLayer r:embed="rId5">
+                    <a14:imgEffect>
+                      <a14:backgroundRemoval t="10000" b="90000" l="10000" r="90000"/>
+                    </a14:imgEffect>
+                  </a14:imgLayer>
+                </a14:imgProps>
+              </a:ext>
+              <a:ext uri="{28A0092B-C50C-407E-A947-70E740481C1C}">
+                <a14:useLocalDpi xmlns:a14="http://schemas.microsoft.com/office/drawing/2010/main"/>
+              </a:ext>
+            </a:extLst>
+          </a:blip>
+          <a:srcRect/>
+          <a:stretch/>
+        </p:blipFill>
+        <p:spPr>
+          <a:xfrm>
+            <a:off x="-1" y="0"/>
+            <a:ext cx="348921" cy="6858000"/>
+          </a:xfrm>
+          <a:prstGeom prst="rect">
+            <a:avLst/>
+          </a:prstGeom>
+          <a:gradFill>
+            <a:gsLst>
+              <a:gs pos="0">
+                <a:schemeClr val="accent4">
+                  <a:lumMod val="75000"/>
+                </a:schemeClr>
+              </a:gs>
+              <a:gs pos="56000">
+                <a:schemeClr val="accent4">
+                  <a:lumMod val="50000"/>
+                </a:schemeClr>
+              </a:gs>
+              <a:gs pos="100000">
+                <a:schemeClr val="tx1"/>
+              </a:gs>
+            </a:gsLst>
+            <a:lin ang="5400000" scaled="1"/>
+          </a:gradFill>
+        </p:spPr>
+      </p:pic>
     </p:spTree>
     <p:extLst>
       <p:ext uri="{BB962C8B-B14F-4D97-AF65-F5344CB8AC3E}">
@@ -8468,7 +9258,7 @@
 </p:sld>
 </file>
 
-<file path=ppt/slides/slide6.xml><?xml version="1.0" encoding="utf-8"?>
+<file path=ppt/slides/slide7.xml><?xml version="1.0" encoding="utf-8"?>
 <p:sld xmlns:a="http://schemas.openxmlformats.org/drawingml/2006/main" xmlns:r="http://schemas.openxmlformats.org/officeDocument/2006/relationships" xmlns:p="http://schemas.openxmlformats.org/presentationml/2006/main">
   <p:cSld>
     <p:bg>
@@ -8629,13 +9419,28 @@
               </a:rPr>
               <a:t>Workshop</a:t>
             </a:r>
+            <a:br>
+              <a:rPr lang="en-US" sz="9600" dirty="0">
+                <a:solidFill>
+                  <a:srgbClr val="FFFFFF"/>
+                </a:solidFill>
+              </a:rPr>
+            </a:br>
+            <a:r>
+              <a:rPr lang="en-US" sz="9600" dirty="0">
+                <a:solidFill>
+                  <a:srgbClr val="FFFFFF"/>
+                </a:solidFill>
+              </a:rPr>
+              <a:t>Continuation</a:t>
+            </a:r>
           </a:p>
         </p:txBody>
       </p:sp>
     </p:spTree>
     <p:extLst>
       <p:ext uri="{BB962C8B-B14F-4D97-AF65-F5344CB8AC3E}">
-        <p14:creationId xmlns:p14="http://schemas.microsoft.com/office/powerpoint/2010/main" val="325427722"/>
+        <p14:creationId xmlns:p14="http://schemas.microsoft.com/office/powerpoint/2010/main" val="1407720669"/>
       </p:ext>
     </p:extLst>
   </p:cSld>
@@ -8645,7 +9450,297 @@
 </p:sld>
 </file>
 
-<file path=ppt/slides/slide7.xml><?xml version="1.0" encoding="utf-8"?>
+<file path=ppt/slides/slide8.xml><?xml version="1.0" encoding="utf-8"?>
+<p:sld xmlns:a="http://schemas.openxmlformats.org/drawingml/2006/main" xmlns:r="http://schemas.openxmlformats.org/officeDocument/2006/relationships" xmlns:p="http://schemas.openxmlformats.org/presentationml/2006/main">
+  <p:cSld>
+    <p:spTree>
+      <p:nvGrpSpPr>
+        <p:cNvPr id="1" name=""/>
+        <p:cNvGrpSpPr/>
+        <p:nvPr/>
+      </p:nvGrpSpPr>
+      <p:grpSpPr>
+        <a:xfrm>
+          <a:off x="0" y="0"/>
+          <a:ext cx="0" cy="0"/>
+          <a:chOff x="0" y="0"/>
+          <a:chExt cx="0" cy="0"/>
+        </a:xfrm>
+      </p:grpSpPr>
+      <p:sp>
+        <p:nvSpPr>
+          <p:cNvPr id="2" name="Title 1">
+            <a:extLst>
+              <a:ext uri="{FF2B5EF4-FFF2-40B4-BE49-F238E27FC236}">
+                <a16:creationId xmlns:a16="http://schemas.microsoft.com/office/drawing/2014/main" id="{95949AE0-BB2C-4D9B-B734-094A562AD5AB}"/>
+              </a:ext>
+            </a:extLst>
+          </p:cNvPr>
+          <p:cNvSpPr>
+            <a:spLocks noGrp="1"/>
+          </p:cNvSpPr>
+          <p:nvPr>
+            <p:ph type="title"/>
+          </p:nvPr>
+        </p:nvSpPr>
+        <p:spPr>
+          <a:xfrm>
+            <a:off x="838200" y="0"/>
+            <a:ext cx="10515600" cy="1325563"/>
+          </a:xfrm>
+        </p:spPr>
+        <p:txBody>
+          <a:bodyPr>
+            <a:normAutofit/>
+          </a:bodyPr>
+          <a:lstStyle/>
+          <a:p>
+            <a:pPr defTabSz="457200"/>
+            <a:r>
+              <a:rPr lang="pt-PT" b="1" dirty="0">
+                <a:latin typeface="Century Gothic" panose="020B0502020202020204" pitchFamily="34" charset="0"/>
+                <a:ea typeface="+mn-ea"/>
+                <a:cs typeface="+mn-cs"/>
+              </a:rPr>
+              <a:t>A few take aways</a:t>
+            </a:r>
+            <a:endParaRPr lang="en-IE" b="1" dirty="0">
+              <a:latin typeface="Century Gothic" panose="020B0502020202020204" pitchFamily="34" charset="0"/>
+              <a:ea typeface="+mn-ea"/>
+              <a:cs typeface="+mn-cs"/>
+            </a:endParaRPr>
+          </a:p>
+        </p:txBody>
+      </p:sp>
+      <p:sp>
+        <p:nvSpPr>
+          <p:cNvPr id="3" name="TextBox 2">
+            <a:extLst>
+              <a:ext uri="{FF2B5EF4-FFF2-40B4-BE49-F238E27FC236}">
+                <a16:creationId xmlns:a16="http://schemas.microsoft.com/office/drawing/2014/main" id="{5EF174A0-4513-407F-AB61-CE4155F53432}"/>
+              </a:ext>
+            </a:extLst>
+          </p:cNvPr>
+          <p:cNvSpPr txBox="1"/>
+          <p:nvPr/>
+        </p:nvSpPr>
+        <p:spPr>
+          <a:xfrm>
+            <a:off x="1641231" y="1688123"/>
+            <a:ext cx="9132277" cy="3108543"/>
+          </a:xfrm>
+          <a:prstGeom prst="rect">
+            <a:avLst/>
+          </a:prstGeom>
+          <a:noFill/>
+        </p:spPr>
+        <p:txBody>
+          <a:bodyPr wrap="square" rtlCol="0">
+            <a:spAutoFit/>
+          </a:bodyPr>
+          <a:lstStyle/>
+          <a:p>
+            <a:pPr marL="285750" indent="-285750">
+              <a:buFont typeface="Arial" panose="020B0604020202020204" pitchFamily="34" charset="0"/>
+              <a:buChar char="•"/>
+            </a:pPr>
+            <a:r>
+              <a:rPr lang="pt-PT" sz="2800" dirty="0"/>
+              <a:t>Do not use generic events</a:t>
+            </a:r>
+          </a:p>
+          <a:p>
+            <a:pPr marL="285750" indent="-285750">
+              <a:buFont typeface="Arial" panose="020B0604020202020204" pitchFamily="34" charset="0"/>
+              <a:buChar char="•"/>
+            </a:pPr>
+            <a:r>
+              <a:rPr lang="en-IE" sz="2800" dirty="0"/>
+              <a:t>Only create events when you really need</a:t>
+            </a:r>
+          </a:p>
+          <a:p>
+            <a:pPr marL="285750" indent="-285750">
+              <a:buFont typeface="Arial" panose="020B0604020202020204" pitchFamily="34" charset="0"/>
+              <a:buChar char="•"/>
+            </a:pPr>
+            <a:r>
+              <a:rPr lang="en-IE" sz="2800" dirty="0"/>
+              <a:t>Design to failure (Resilient design)</a:t>
+            </a:r>
+          </a:p>
+          <a:p>
+            <a:pPr marL="285750" indent="-285750">
+              <a:buFont typeface="Arial" panose="020B0604020202020204" pitchFamily="34" charset="0"/>
+              <a:buChar char="•"/>
+            </a:pPr>
+            <a:r>
+              <a:rPr lang="en-IE" sz="2800" dirty="0"/>
+              <a:t>Idempotent operations</a:t>
+            </a:r>
+          </a:p>
+          <a:p>
+            <a:pPr marL="285750" indent="-285750">
+              <a:buFont typeface="Arial" panose="020B0604020202020204" pitchFamily="34" charset="0"/>
+              <a:buChar char="•"/>
+            </a:pPr>
+            <a:r>
+              <a:rPr lang="en-IE" sz="2800" dirty="0"/>
+              <a:t>Load-</a:t>
+            </a:r>
+            <a:r>
+              <a:rPr lang="en-IE" sz="2800" dirty="0" err="1"/>
+              <a:t>Leveling</a:t>
+            </a:r>
+            <a:r>
+              <a:rPr lang="en-IE" sz="2800" dirty="0"/>
+              <a:t> pattern</a:t>
+            </a:r>
+          </a:p>
+          <a:p>
+            <a:pPr marL="285750" indent="-285750">
+              <a:buFont typeface="Arial" panose="020B0604020202020204" pitchFamily="34" charset="0"/>
+              <a:buChar char="•"/>
+            </a:pPr>
+            <a:endParaRPr lang="en-IE" sz="2800" dirty="0"/>
+          </a:p>
+          <a:p>
+            <a:pPr marL="285750" indent="-285750">
+              <a:buFont typeface="Arial" panose="020B0604020202020204" pitchFamily="34" charset="0"/>
+              <a:buChar char="•"/>
+            </a:pPr>
+            <a:endParaRPr lang="en-IE" sz="2800" dirty="0"/>
+          </a:p>
+        </p:txBody>
+      </p:sp>
+      <p:pic>
+        <p:nvPicPr>
+          <p:cNvPr id="5" name="Picture 4" descr="A picture containing water, red, outdoor&#10;&#10;Description generated with high confidence">
+            <a:extLst>
+              <a:ext uri="{FF2B5EF4-FFF2-40B4-BE49-F238E27FC236}">
+                <a16:creationId xmlns:a16="http://schemas.microsoft.com/office/drawing/2014/main" id="{3F331330-1651-474E-B4AC-C4227369D2BD}"/>
+              </a:ext>
+            </a:extLst>
+          </p:cNvPr>
+          <p:cNvPicPr>
+            <a:picLocks noChangeAspect="1"/>
+          </p:cNvPicPr>
+          <p:nvPr/>
+        </p:nvPicPr>
+        <p:blipFill rotWithShape="1">
+          <a:blip r:embed="rId3" cstate="print">
+            <a:extLst>
+              <a:ext uri="{BEBA8EAE-BF5A-486C-A8C5-ECC9F3942E4B}">
+                <a14:imgProps xmlns:a14="http://schemas.microsoft.com/office/drawing/2010/main">
+                  <a14:imgLayer r:embed="rId4">
+                    <a14:imgEffect>
+                      <a14:backgroundRemoval t="10000" b="90000" l="10000" r="90000"/>
+                    </a14:imgEffect>
+                  </a14:imgLayer>
+                </a14:imgProps>
+              </a:ext>
+              <a:ext uri="{28A0092B-C50C-407E-A947-70E740481C1C}">
+                <a14:useLocalDpi xmlns:a14="http://schemas.microsoft.com/office/drawing/2010/main"/>
+              </a:ext>
+            </a:extLst>
+          </a:blip>
+          <a:srcRect/>
+          <a:stretch/>
+        </p:blipFill>
+        <p:spPr>
+          <a:xfrm>
+            <a:off x="-1" y="0"/>
+            <a:ext cx="348921" cy="6858000"/>
+          </a:xfrm>
+          <a:prstGeom prst="rect">
+            <a:avLst/>
+          </a:prstGeom>
+          <a:gradFill>
+            <a:gsLst>
+              <a:gs pos="0">
+                <a:schemeClr val="accent4">
+                  <a:lumMod val="75000"/>
+                </a:schemeClr>
+              </a:gs>
+              <a:gs pos="56000">
+                <a:schemeClr val="accent4">
+                  <a:lumMod val="50000"/>
+                </a:schemeClr>
+              </a:gs>
+              <a:gs pos="100000">
+                <a:schemeClr val="tx1"/>
+              </a:gs>
+            </a:gsLst>
+            <a:lin ang="5400000" scaled="1"/>
+          </a:gradFill>
+        </p:spPr>
+      </p:pic>
+      <p:sp>
+        <p:nvSpPr>
+          <p:cNvPr id="6" name="TextBox 5">
+            <a:extLst>
+              <a:ext uri="{FF2B5EF4-FFF2-40B4-BE49-F238E27FC236}">
+                <a16:creationId xmlns:a16="http://schemas.microsoft.com/office/drawing/2014/main" id="{9C30BEC5-2CF6-4A8C-85C5-F419DA8E373F}"/>
+              </a:ext>
+            </a:extLst>
+          </p:cNvPr>
+          <p:cNvSpPr txBox="1"/>
+          <p:nvPr/>
+        </p:nvSpPr>
+        <p:spPr>
+          <a:xfrm>
+            <a:off x="962590" y="5392615"/>
+            <a:ext cx="10676321" cy="830997"/>
+          </a:xfrm>
+          <a:prstGeom prst="rect">
+            <a:avLst/>
+          </a:prstGeom>
+          <a:noFill/>
+        </p:spPr>
+        <p:txBody>
+          <a:bodyPr wrap="none" rtlCol="0">
+            <a:spAutoFit/>
+          </a:bodyPr>
+          <a:lstStyle/>
+          <a:p>
+            <a:r>
+              <a:rPr lang="en-US" sz="2400" b="0" i="0" dirty="0">
+                <a:effectLst/>
+                <a:latin typeface="Roboto" panose="02000000000000000000" pitchFamily="2" charset="0"/>
+              </a:rPr>
+              <a:t>Azure Reference Architecture - Event-driven and Event sourcing architectures</a:t>
+            </a:r>
+            <a:endParaRPr lang="en-IE" sz="2400" dirty="0"/>
+          </a:p>
+          <a:p>
+            <a:pPr algn="ctr"/>
+            <a:r>
+              <a:rPr lang="en-IE" sz="2400" dirty="0">
+                <a:hlinkClick r:id="rId5"/>
+              </a:rPr>
+              <a:t>https://www.youtube.com/watch?v=_NW_fI75bLs</a:t>
+            </a:r>
+            <a:r>
+              <a:rPr lang="en-IE" sz="2400" dirty="0"/>
+              <a:t> </a:t>
+            </a:r>
+          </a:p>
+        </p:txBody>
+      </p:sp>
+    </p:spTree>
+    <p:extLst>
+      <p:ext uri="{BB962C8B-B14F-4D97-AF65-F5344CB8AC3E}">
+        <p14:creationId xmlns:p14="http://schemas.microsoft.com/office/powerpoint/2010/main" val="708100979"/>
+      </p:ext>
+    </p:extLst>
+  </p:cSld>
+  <p:clrMapOvr>
+    <a:masterClrMapping/>
+  </p:clrMapOvr>
+</p:sld>
+</file>
+
+<file path=ppt/slides/slide9.xml><?xml version="1.0" encoding="utf-8"?>
 <p:sld xmlns:a="http://schemas.openxmlformats.org/drawingml/2006/main" xmlns:r="http://schemas.openxmlformats.org/officeDocument/2006/relationships" xmlns:p="http://schemas.openxmlformats.org/presentationml/2006/main">
   <p:cSld>
     <p:bg>
@@ -9143,273 +10238,6 @@
     <p:extLst>
       <p:ext uri="{BB962C8B-B14F-4D97-AF65-F5344CB8AC3E}">
         <p14:creationId xmlns:p14="http://schemas.microsoft.com/office/powerpoint/2010/main" val="821289527"/>
-      </p:ext>
-    </p:extLst>
-  </p:cSld>
-  <p:clrMapOvr>
-    <a:masterClrMapping/>
-  </p:clrMapOvr>
-</p:sld>
-</file>
-
-<file path=ppt/slides/slide8.xml><?xml version="1.0" encoding="utf-8"?>
-<p:sld xmlns:a="http://schemas.openxmlformats.org/drawingml/2006/main" xmlns:r="http://schemas.openxmlformats.org/officeDocument/2006/relationships" xmlns:p="http://schemas.openxmlformats.org/presentationml/2006/main">
-  <p:cSld>
-    <p:bg>
-      <p:bgPr>
-        <a:solidFill>
-          <a:schemeClr val="bg1"/>
-        </a:solidFill>
-        <a:effectLst/>
-      </p:bgPr>
-    </p:bg>
-    <p:spTree>
-      <p:nvGrpSpPr>
-        <p:cNvPr id="1" name=""/>
-        <p:cNvGrpSpPr/>
-        <p:nvPr/>
-      </p:nvGrpSpPr>
-      <p:grpSpPr>
-        <a:xfrm>
-          <a:off x="0" y="0"/>
-          <a:ext cx="0" cy="0"/>
-          <a:chOff x="0" y="0"/>
-          <a:chExt cx="0" cy="0"/>
-        </a:xfrm>
-      </p:grpSpPr>
-      <p:sp>
-        <p:nvSpPr>
-          <p:cNvPr id="9" name="Rectangle 8">
-            <a:extLst>
-              <a:ext uri="{FF2B5EF4-FFF2-40B4-BE49-F238E27FC236}">
-                <a16:creationId xmlns:a16="http://schemas.microsoft.com/office/drawing/2014/main" id="{42A5316D-ED2F-4F89-B4B4-8D9240B1A348}"/>
-              </a:ext>
-              <a:ext uri="{C183D7F6-B498-43B3-948B-1728B52AA6E4}">
-                <adec:decorative xmlns:adec="http://schemas.microsoft.com/office/drawing/2017/decorative" val="1"/>
-              </a:ext>
-            </a:extLst>
-          </p:cNvPr>
-          <p:cNvSpPr>
-            <a:spLocks noGrp="1" noRot="1" noChangeAspect="1" noMove="1" noResize="1" noEditPoints="1" noAdjustHandles="1" noChangeArrowheads="1" noChangeShapeType="1" noTextEdit="1"/>
-          </p:cNvSpPr>
-          <p:nvPr>
-            <p:extLst>
-              <p:ext uri="{386F3935-93C4-4BCD-93E2-E3B085C9AB24}">
-                <p16:designElem xmlns:p16="http://schemas.microsoft.com/office/powerpoint/2015/main" val="1"/>
-              </p:ext>
-            </p:extLst>
-          </p:nvPr>
-        </p:nvSpPr>
-        <p:spPr>
-          <a:xfrm>
-            <a:off x="0" y="0"/>
-            <a:ext cx="2013557" cy="6858000"/>
-          </a:xfrm>
-          <a:prstGeom prst="rect">
-            <a:avLst/>
-          </a:prstGeom>
-          <a:solidFill>
-            <a:schemeClr val="accent4">
-              <a:lumMod val="50000"/>
-            </a:schemeClr>
-          </a:solidFill>
-          <a:ln>
-            <a:noFill/>
-          </a:ln>
-        </p:spPr>
-        <p:style>
-          <a:lnRef idx="2">
-            <a:schemeClr val="accent1">
-              <a:shade val="50000"/>
-            </a:schemeClr>
-          </a:lnRef>
-          <a:fillRef idx="1">
-            <a:schemeClr val="accent1"/>
-          </a:fillRef>
-          <a:effectRef idx="0">
-            <a:schemeClr val="accent1"/>
-          </a:effectRef>
-          <a:fontRef idx="minor">
-            <a:schemeClr val="lt1"/>
-          </a:fontRef>
-        </p:style>
-        <p:txBody>
-          <a:bodyPr rtlCol="0" anchor="ctr"/>
-          <a:lstStyle/>
-          <a:p>
-            <a:pPr marL="0" marR="0" lvl="0" indent="0" algn="ctr" defTabSz="457200" rtl="0" eaLnBrk="1" fontAlgn="auto" latinLnBrk="0" hangingPunct="1">
-              <a:lnSpc>
-                <a:spcPct val="100000"/>
-              </a:lnSpc>
-              <a:spcBef>
-                <a:spcPts val="0"/>
-              </a:spcBef>
-              <a:spcAft>
-                <a:spcPts val="0"/>
-              </a:spcAft>
-              <a:buClrTx/>
-              <a:buSzTx/>
-              <a:buFontTx/>
-              <a:buNone/>
-              <a:tabLst/>
-              <a:defRPr/>
-            </a:pPr>
-            <a:endParaRPr kumimoji="0" lang="en-US" sz="1800" b="0" i="0" u="none" strike="noStrike" kern="1200" cap="none" spc="0" normalizeH="0" baseline="0" noProof="0">
-              <a:ln>
-                <a:noFill/>
-              </a:ln>
-              <a:solidFill>
-                <a:prstClr val="white"/>
-              </a:solidFill>
-              <a:effectLst/>
-              <a:uLnTx/>
-              <a:uFillTx/>
-              <a:latin typeface="Calibri" panose="020F0502020204030204"/>
-              <a:ea typeface="+mn-ea"/>
-              <a:cs typeface="+mn-cs"/>
-            </a:endParaRPr>
-          </a:p>
-        </p:txBody>
-      </p:sp>
-      <p:sp>
-        <p:nvSpPr>
-          <p:cNvPr id="2" name="Title 1">
-            <a:extLst>
-              <a:ext uri="{FF2B5EF4-FFF2-40B4-BE49-F238E27FC236}">
-                <a16:creationId xmlns:a16="http://schemas.microsoft.com/office/drawing/2014/main" id="{7219E083-9E7C-4C63-AF63-992DC2352BBC}"/>
-              </a:ext>
-            </a:extLst>
-          </p:cNvPr>
-          <p:cNvSpPr>
-            <a:spLocks noGrp="1"/>
-          </p:cNvSpPr>
-          <p:nvPr>
-            <p:ph type="title"/>
-          </p:nvPr>
-        </p:nvSpPr>
-        <p:spPr>
-          <a:xfrm>
-            <a:off x="838200" y="2057400"/>
-            <a:ext cx="2743200" cy="2743200"/>
-          </a:xfrm>
-          <a:prstGeom prst="ellipse">
-            <a:avLst/>
-          </a:prstGeom>
-          <a:solidFill>
-            <a:srgbClr val="262626"/>
-          </a:solidFill>
-          <a:ln w="174625" cmpd="thinThick">
-            <a:solidFill>
-              <a:srgbClr val="262626"/>
-            </a:solidFill>
-          </a:ln>
-        </p:spPr>
-        <p:txBody>
-          <a:bodyPr anchor="ctr">
-            <a:normAutofit/>
-          </a:bodyPr>
-          <a:lstStyle/>
-          <a:p>
-            <a:pPr algn="ctr"/>
-            <a:r>
-              <a:rPr lang="en-IE" sz="2600" dirty="0">
-                <a:solidFill>
-                  <a:srgbClr val="FFFFFF"/>
-                </a:solidFill>
-              </a:rPr>
-              <a:t>Let’s connect!</a:t>
-            </a:r>
-          </a:p>
-        </p:txBody>
-      </p:sp>
-      <p:pic>
-        <p:nvPicPr>
-          <p:cNvPr id="22" name="Picture 2" descr="See the source image">
-            <a:extLst>
-              <a:ext uri="{FF2B5EF4-FFF2-40B4-BE49-F238E27FC236}">
-                <a16:creationId xmlns:a16="http://schemas.microsoft.com/office/drawing/2014/main" id="{29EAB055-2B90-48A6-8B47-2DBA8706C22E}"/>
-              </a:ext>
-            </a:extLst>
-          </p:cNvPr>
-          <p:cNvPicPr>
-            <a:picLocks noChangeAspect="1" noChangeArrowheads="1"/>
-          </p:cNvPicPr>
-          <p:nvPr/>
-        </p:nvPicPr>
-        <p:blipFill>
-          <a:blip r:embed="rId2">
-            <a:extLst>
-              <a:ext uri="{28A0092B-C50C-407E-A947-70E740481C1C}">
-                <a14:useLocalDpi xmlns:a14="http://schemas.microsoft.com/office/drawing/2010/main" val="0"/>
-              </a:ext>
-            </a:extLst>
-          </a:blip>
-          <a:srcRect/>
-          <a:stretch>
-            <a:fillRect/>
-          </a:stretch>
-        </p:blipFill>
-        <p:spPr bwMode="auto">
-          <a:xfrm>
-            <a:off x="4296613" y="1245948"/>
-            <a:ext cx="1220585" cy="1220585"/>
-          </a:xfrm>
-          <a:prstGeom prst="rect">
-            <a:avLst/>
-          </a:prstGeom>
-          <a:noFill/>
-          <a:extLst>
-            <a:ext uri="{909E8E84-426E-40DD-AFC4-6F175D3DCCD1}">
-              <a14:hiddenFill xmlns:a14="http://schemas.microsoft.com/office/drawing/2010/main">
-                <a:solidFill>
-                  <a:srgbClr val="FFFFFF"/>
-                </a:solidFill>
-              </a14:hiddenFill>
-            </a:ext>
-          </a:extLst>
-        </p:spPr>
-      </p:pic>
-      <p:sp>
-        <p:nvSpPr>
-          <p:cNvPr id="23" name="TextBox 22">
-            <a:extLst>
-              <a:ext uri="{FF2B5EF4-FFF2-40B4-BE49-F238E27FC236}">
-                <a16:creationId xmlns:a16="http://schemas.microsoft.com/office/drawing/2014/main" id="{B79293EA-F172-4864-958C-70C91FE11E61}"/>
-              </a:ext>
-            </a:extLst>
-          </p:cNvPr>
-          <p:cNvSpPr txBox="1"/>
-          <p:nvPr/>
-        </p:nvSpPr>
-        <p:spPr>
-          <a:xfrm>
-            <a:off x="5654358" y="1533074"/>
-            <a:ext cx="6215149" cy="646331"/>
-          </a:xfrm>
-          <a:prstGeom prst="rect">
-            <a:avLst/>
-          </a:prstGeom>
-          <a:noFill/>
-        </p:spPr>
-        <p:txBody>
-          <a:bodyPr wrap="square" rtlCol="0">
-            <a:spAutoFit/>
-          </a:bodyPr>
-          <a:lstStyle/>
-          <a:p>
-            <a:r>
-              <a:rPr lang="en-GB" sz="3600" dirty="0">
-                <a:latin typeface="Century Gothic" panose="020B0502020202020204" pitchFamily="34" charset="0"/>
-              </a:rPr>
-              <a:t>www.hugobarona.com</a:t>
-            </a:r>
-          </a:p>
-        </p:txBody>
-      </p:sp>
-    </p:spTree>
-    <p:extLst>
-      <p:ext uri="{BB962C8B-B14F-4D97-AF65-F5344CB8AC3E}">
-        <p14:creationId xmlns:p14="http://schemas.microsoft.com/office/powerpoint/2010/main" val="4011381114"/>
       </p:ext>
     </p:extLst>
   </p:cSld>
